--- a/document/FACEBOOK  ERD.pptx
+++ b/document/FACEBOOK  ERD.pptx
@@ -246,7 +246,7 @@
       <p15:sldGuideLst xmlns:p15="http://schemas.microsoft.com/office/powerpoint/2012/main"/>
     </p:ext>
     <p:ext uri="http://customooxmlschemas.google.com/">
-      <go:slidesCustomData xmlns:go="http://customooxmlschemas.google.com/" xmlns:ahyp="http://schemas.microsoft.com/office/drawing/2018/hyperlinkcolor" xmlns:p15="http://schemas.microsoft.com/office/powerpoint/2012/main" xmlns:p14="http://schemas.microsoft.com/office/powerpoint/2010/main" xmlns:com="http://schemas.openxmlformats.org/drawingml/2006/compatibility" xmlns:pvml="urn:schemas-microsoft-com:office:powerpoint" xmlns:v="urn:schemas-microsoft-com:vml" xmlns:o="urn:schemas-microsoft-com:office:office" xmlns:dgm="http://schemas.openxmlformats.org/drawingml/2006/diagram" xmlns:c="http://schemas.openxmlformats.org/drawingml/2006/chart" xmlns:mv="urn:schemas-microsoft-com:mac:vml" xmlns:mc="http://schemas.openxmlformats.org/markup-compatibility/2006" xmlns="" r:id="rId11" roundtripDataSignature="AMtx7mhTn6vhAO0138S70ZKRipcSSje7HA=="/>
+      <go:slidesCustomData xmlns="" xmlns:mc="http://schemas.openxmlformats.org/markup-compatibility/2006" xmlns:mv="urn:schemas-microsoft-com:mac:vml" xmlns:c="http://schemas.openxmlformats.org/drawingml/2006/chart" xmlns:dgm="http://schemas.openxmlformats.org/drawingml/2006/diagram" xmlns:o="urn:schemas-microsoft-com:office:office" xmlns:v="urn:schemas-microsoft-com:vml" xmlns:pvml="urn:schemas-microsoft-com:office:powerpoint" xmlns:com="http://schemas.openxmlformats.org/drawingml/2006/compatibility" xmlns:p14="http://schemas.microsoft.com/office/powerpoint/2010/main" xmlns:p15="http://schemas.microsoft.com/office/powerpoint/2012/main" xmlns:ahyp="http://schemas.microsoft.com/office/drawing/2018/hyperlinkcolor" xmlns:go="http://customooxmlschemas.google.com/" r:id="rId11" roundtripDataSignature="AMtx7mhTn6vhAO0138S70ZKRipcSSje7HA=="/>
     </p:ext>
   </p:extLst>
 </p:presentation>
@@ -13536,13 +13536,13 @@
           <p:nvPr>
             <p:extLst>
               <p:ext uri="{D42A27DB-BD31-4B8C-83A1-F6EECF244321}">
-                <p14:modId xmlns:p14="http://schemas.microsoft.com/office/powerpoint/2010/main" val="4036858485"/>
+                <p14:modId xmlns:p14="http://schemas.microsoft.com/office/powerpoint/2010/main" val="1581785670"/>
               </p:ext>
             </p:extLst>
           </p:nvPr>
         </p:nvGraphicFramePr>
         <p:xfrm>
-          <a:off x="602600" y="933378"/>
+          <a:off x="0" y="6556434"/>
           <a:ext cx="3638942" cy="1828850"/>
         </p:xfrm>
         <a:graphic>
@@ -13575,7 +13575,7 @@
                   </a:extLst>
                 </a:gridCol>
               </a:tblGrid>
-              <a:tr h="246371">
+              <a:tr h="195553">
                 <a:tc gridSpan="3">
                   <a:txBody>
                     <a:bodyPr/>
@@ -13600,7 +13600,7 @@
                       </a:pPr>
                       <a:r>
                         <a:rPr lang="en-US" sz="1800" u="none" strike="noStrike" cap="none" dirty="0"/>
-                        <a:t>COMMENTs</a:t>
+                        <a:t>COMMENTS</a:t>
                       </a:r>
                       <a:endParaRPr sz="1800" u="none" strike="noStrike" cap="none" dirty="0"/>
                     </a:p>
@@ -14080,342 +14080,6 @@
           </a:graphicData>
         </a:graphic>
       </p:graphicFrame>
-      <p:graphicFrame>
-        <p:nvGraphicFramePr>
-          <p:cNvPr id="134" name="Google Shape;134;p4"/>
-          <p:cNvGraphicFramePr/>
-          <p:nvPr>
-            <p:extLst>
-              <p:ext uri="{D42A27DB-BD31-4B8C-83A1-F6EECF244321}">
-                <p14:modId xmlns:p14="http://schemas.microsoft.com/office/powerpoint/2010/main" val="2060575229"/>
-              </p:ext>
-            </p:extLst>
-          </p:nvPr>
-        </p:nvGraphicFramePr>
-        <p:xfrm>
-          <a:off x="526603" y="6413714"/>
-          <a:ext cx="3978779" cy="1223554"/>
-        </p:xfrm>
-        <a:graphic>
-          <a:graphicData uri="http://schemas.openxmlformats.org/drawingml/2006/table">
-            <a:tbl>
-              <a:tblPr firstRow="1" bandRow="1">
-                <a:noFill/>
-                <a:tableStyleId>{DEBA5A2B-D14B-4ABF-BE9C-C255CA0A0F35}</a:tableStyleId>
-              </a:tblPr>
-              <a:tblGrid>
-                <a:gridCol w="580575">
-                  <a:extLst>
-                    <a:ext uri="{9D8B030D-6E8A-4147-A177-3AD203B41FA5}">
-                      <a16:colId xmlns:a16="http://schemas.microsoft.com/office/drawing/2014/main" val="20000"/>
-                    </a:ext>
-                  </a:extLst>
-                </a:gridCol>
-                <a:gridCol w="1961179">
-                  <a:extLst>
-                    <a:ext uri="{9D8B030D-6E8A-4147-A177-3AD203B41FA5}">
-                      <a16:colId xmlns:a16="http://schemas.microsoft.com/office/drawing/2014/main" val="20001"/>
-                    </a:ext>
-                  </a:extLst>
-                </a:gridCol>
-                <a:gridCol w="1437025">
-                  <a:extLst>
-                    <a:ext uri="{9D8B030D-6E8A-4147-A177-3AD203B41FA5}">
-                      <a16:colId xmlns:a16="http://schemas.microsoft.com/office/drawing/2014/main" val="20002"/>
-                    </a:ext>
-                  </a:extLst>
-                </a:gridCol>
-              </a:tblGrid>
-              <a:tr h="336478">
-                <a:tc gridSpan="3">
-                  <a:txBody>
-                    <a:bodyPr/>
-                    <a:lstStyle/>
-                    <a:p>
-                      <a:pPr marL="0" marR="0" lvl="0" indent="0" algn="ctr" rtl="0">
-                        <a:lnSpc>
-                          <a:spcPct val="100000"/>
-                        </a:lnSpc>
-                        <a:spcBef>
-                          <a:spcPts val="0"/>
-                        </a:spcBef>
-                        <a:spcAft>
-                          <a:spcPts val="0"/>
-                        </a:spcAft>
-                        <a:buClr>
-                          <a:srgbClr val="000000"/>
-                        </a:buClr>
-                        <a:buSzPts val="1800"/>
-                        <a:buFont typeface="Arial"/>
-                        <a:buNone/>
-                      </a:pPr>
-                      <a:r>
-                        <a:rPr lang="en-US" sz="1800" u="none" strike="noStrike" cap="none" dirty="0"/>
-                        <a:t>Friendships</a:t>
-                      </a:r>
-                      <a:endParaRPr sz="1800" u="none" strike="noStrike" cap="none" dirty="0"/>
-                    </a:p>
-                  </a:txBody>
-                  <a:tcPr marL="91450" marR="91450" marT="45725" marB="45725"/>
-                </a:tc>
-                <a:tc hMerge="1">
-                  <a:txBody>
-                    <a:bodyPr/>
-                    <a:lstStyle/>
-                    <a:p>
-                      <a:endParaRPr lang="en-US"/>
-                    </a:p>
-                  </a:txBody>
-                  <a:tcPr/>
-                </a:tc>
-                <a:tc hMerge="1">
-                  <a:txBody>
-                    <a:bodyPr/>
-                    <a:lstStyle/>
-                    <a:p>
-                      <a:endParaRPr lang="en-US"/>
-                    </a:p>
-                  </a:txBody>
-                  <a:tcPr/>
-                </a:tc>
-                <a:extLst>
-                  <a:ext uri="{0D108BD9-81ED-4DB2-BD59-A6C34878D82A}">
-                    <a16:rowId xmlns:a16="http://schemas.microsoft.com/office/drawing/2014/main" val="10000"/>
-                  </a:ext>
-                </a:extLst>
-              </a:tr>
-              <a:tr h="428892">
-                <a:tc>
-                  <a:txBody>
-                    <a:bodyPr/>
-                    <a:lstStyle/>
-                    <a:p>
-                      <a:pPr marL="0" marR="0" lvl="0" indent="0" algn="l" rtl="0">
-                        <a:lnSpc>
-                          <a:spcPct val="100000"/>
-                        </a:lnSpc>
-                        <a:spcBef>
-                          <a:spcPts val="0"/>
-                        </a:spcBef>
-                        <a:spcAft>
-                          <a:spcPts val="0"/>
-                        </a:spcAft>
-                        <a:buClr>
-                          <a:srgbClr val="000000"/>
-                        </a:buClr>
-                        <a:buSzPts val="1800"/>
-                        <a:buFont typeface="Arial"/>
-                        <a:buNone/>
-                      </a:pPr>
-                      <a:r>
-                        <a:rPr lang="en-US" sz="1800" u="none" strike="noStrike" cap="none" dirty="0">
-                          <a:solidFill>
-                            <a:srgbClr val="FF0000"/>
-                          </a:solidFill>
-                        </a:rPr>
-                        <a:t>FK</a:t>
-                      </a:r>
-                      <a:endParaRPr sz="1800" u="none" strike="noStrike" cap="none" dirty="0"/>
-                    </a:p>
-                  </a:txBody>
-                  <a:tcPr marL="91450" marR="91450" marT="45725" marB="45725"/>
-                </a:tc>
-                <a:tc>
-                  <a:txBody>
-                    <a:bodyPr/>
-                    <a:lstStyle/>
-                    <a:p>
-                      <a:pPr marL="0" marR="0" lvl="0" indent="0" algn="l" rtl="0">
-                        <a:lnSpc>
-                          <a:spcPct val="100000"/>
-                        </a:lnSpc>
-                        <a:spcBef>
-                          <a:spcPts val="0"/>
-                        </a:spcBef>
-                        <a:spcAft>
-                          <a:spcPts val="0"/>
-                        </a:spcAft>
-                        <a:buClr>
-                          <a:srgbClr val="000000"/>
-                        </a:buClr>
-                        <a:buSzPts val="1800"/>
-                        <a:buFont typeface="Arial"/>
-                        <a:buNone/>
-                      </a:pPr>
-                      <a:r>
-                        <a:rPr lang="en-US" sz="1800" u="none" strike="noStrike" cap="none" dirty="0" err="1"/>
-                        <a:t>User_request_id</a:t>
-                      </a:r>
-                      <a:endParaRPr sz="1800" u="none" strike="noStrike" cap="none" dirty="0"/>
-                    </a:p>
-                  </a:txBody>
-                  <a:tcPr marL="91450" marR="91450" marT="45725" marB="45725"/>
-                </a:tc>
-                <a:tc>
-                  <a:txBody>
-                    <a:bodyPr/>
-                    <a:lstStyle/>
-                    <a:p>
-                      <a:pPr marL="0" marR="0" lvl="0" indent="0" algn="l" rtl="0">
-                        <a:lnSpc>
-                          <a:spcPct val="100000"/>
-                        </a:lnSpc>
-                        <a:spcBef>
-                          <a:spcPts val="0"/>
-                        </a:spcBef>
-                        <a:spcAft>
-                          <a:spcPts val="0"/>
-                        </a:spcAft>
-                        <a:buClr>
-                          <a:srgbClr val="000000"/>
-                        </a:buClr>
-                        <a:buSzPts val="1800"/>
-                        <a:buFont typeface="Arial"/>
-                        <a:buNone/>
-                      </a:pPr>
-                      <a:r>
-                        <a:rPr lang="en-US" sz="1800" u="none" strike="noStrike" cap="none" dirty="0">
-                          <a:solidFill>
-                            <a:schemeClr val="tx1"/>
-                          </a:solidFill>
-                        </a:rPr>
-                        <a:t>INT</a:t>
-                      </a:r>
-                      <a:endParaRPr sz="1800" u="none" strike="noStrike" cap="none" dirty="0">
-                        <a:solidFill>
-                          <a:schemeClr val="tx1"/>
-                        </a:solidFill>
-                      </a:endParaRPr>
-                    </a:p>
-                  </a:txBody>
-                  <a:tcPr marL="91450" marR="91450" marT="45725" marB="45725"/>
-                </a:tc>
-                <a:extLst>
-                  <a:ext uri="{0D108BD9-81ED-4DB2-BD59-A6C34878D82A}">
-                    <a16:rowId xmlns:a16="http://schemas.microsoft.com/office/drawing/2014/main" val="10001"/>
-                  </a:ext>
-                </a:extLst>
-              </a:tr>
-              <a:tr h="428892">
-                <a:tc>
-                  <a:txBody>
-                    <a:bodyPr/>
-                    <a:lstStyle/>
-                    <a:p>
-                      <a:pPr marL="0" marR="0" lvl="0" indent="0" algn="l" rtl="0">
-                        <a:lnSpc>
-                          <a:spcPct val="100000"/>
-                        </a:lnSpc>
-                        <a:spcBef>
-                          <a:spcPts val="0"/>
-                        </a:spcBef>
-                        <a:spcAft>
-                          <a:spcPts val="0"/>
-                        </a:spcAft>
-                        <a:buClr>
-                          <a:srgbClr val="000000"/>
-                        </a:buClr>
-                        <a:buSzPts val="1800"/>
-                        <a:buFont typeface="Arial"/>
-                        <a:buNone/>
-                      </a:pPr>
-                      <a:r>
-                        <a:rPr lang="en-US" sz="1800" u="none" strike="noStrike" cap="none" dirty="0">
-                          <a:solidFill>
-                            <a:srgbClr val="FF0000"/>
-                          </a:solidFill>
-                        </a:rPr>
-                        <a:t>FK</a:t>
-                      </a:r>
-                      <a:endParaRPr sz="1800" u="none" strike="noStrike" cap="none" dirty="0">
-                        <a:solidFill>
-                          <a:srgbClr val="FF0000"/>
-                        </a:solidFill>
-                      </a:endParaRPr>
-                    </a:p>
-                  </a:txBody>
-                  <a:tcPr marL="91450" marR="91450" marT="45725" marB="45725"/>
-                </a:tc>
-                <a:tc>
-                  <a:txBody>
-                    <a:bodyPr/>
-                    <a:lstStyle/>
-                    <a:p>
-                      <a:pPr marL="0" marR="0" lvl="0" indent="0" algn="l" rtl="0">
-                        <a:lnSpc>
-                          <a:spcPct val="100000"/>
-                        </a:lnSpc>
-                        <a:spcBef>
-                          <a:spcPts val="0"/>
-                        </a:spcBef>
-                        <a:spcAft>
-                          <a:spcPts val="0"/>
-                        </a:spcAft>
-                        <a:buClr>
-                          <a:srgbClr val="000000"/>
-                        </a:buClr>
-                        <a:buSzPts val="1800"/>
-                        <a:buFont typeface="Arial"/>
-                        <a:buNone/>
-                      </a:pPr>
-                      <a:r>
-                        <a:rPr lang="en-US" sz="1800" u="none" strike="noStrike" cap="none" dirty="0" err="1"/>
-                        <a:t>User_accept_id</a:t>
-                      </a:r>
-                      <a:endParaRPr sz="1800" u="none" strike="noStrike" cap="none" dirty="0"/>
-                    </a:p>
-                  </a:txBody>
-                  <a:tcPr marL="91450" marR="91450" marT="45725" marB="45725"/>
-                </a:tc>
-                <a:tc>
-                  <a:txBody>
-                    <a:bodyPr/>
-                    <a:lstStyle/>
-                    <a:p>
-                      <a:pPr marL="0" marR="0" lvl="0" indent="0" algn="l" rtl="0">
-                        <a:lnSpc>
-                          <a:spcPct val="100000"/>
-                        </a:lnSpc>
-                        <a:spcBef>
-                          <a:spcPts val="0"/>
-                        </a:spcBef>
-                        <a:spcAft>
-                          <a:spcPts val="0"/>
-                        </a:spcAft>
-                        <a:buClr>
-                          <a:srgbClr val="FF0000"/>
-                        </a:buClr>
-                        <a:buSzPts val="1800"/>
-                        <a:buFont typeface="Calibri"/>
-                        <a:buNone/>
-                      </a:pPr>
-                      <a:r>
-                        <a:rPr lang="en-US" sz="1800" u="none" strike="noStrike" cap="none" dirty="0">
-                          <a:solidFill>
-                            <a:schemeClr val="tx1"/>
-                          </a:solidFill>
-                        </a:rPr>
-                        <a:t>INT</a:t>
-                      </a:r>
-                      <a:endParaRPr sz="1800" u="none" strike="noStrike" cap="none" dirty="0">
-                        <a:solidFill>
-                          <a:schemeClr val="tx1"/>
-                        </a:solidFill>
-                      </a:endParaRPr>
-                    </a:p>
-                  </a:txBody>
-                  <a:tcPr marL="91450" marR="91450" marT="45725" marB="45725"/>
-                </a:tc>
-                <a:extLst>
-                  <a:ext uri="{0D108BD9-81ED-4DB2-BD59-A6C34878D82A}">
-                    <a16:rowId xmlns:a16="http://schemas.microsoft.com/office/drawing/2014/main" val="10002"/>
-                  </a:ext>
-                </a:extLst>
-              </a:tr>
-            </a:tbl>
-          </a:graphicData>
-        </a:graphic>
-      </p:graphicFrame>
       <p:sp>
         <p:nvSpPr>
           <p:cNvPr id="145" name="Google Shape;145;p4"/>
@@ -14424,7 +14088,7 @@
         </p:nvSpPr>
         <p:spPr>
           <a:xfrm>
-            <a:off x="4930768" y="105571"/>
+            <a:off x="512748" y="64389"/>
             <a:ext cx="5303900" cy="707846"/>
           </a:xfrm>
           <a:prstGeom prst="rect">
@@ -14483,14 +14147,14 @@
           <p:nvPr>
             <p:extLst>
               <p:ext uri="{D42A27DB-BD31-4B8C-83A1-F6EECF244321}">
-                <p14:modId xmlns:p14="http://schemas.microsoft.com/office/powerpoint/2010/main" val="2197963840"/>
+                <p14:modId xmlns:p14="http://schemas.microsoft.com/office/powerpoint/2010/main" val="2572565563"/>
               </p:ext>
             </p:extLst>
           </p:nvPr>
         </p:nvGraphicFramePr>
         <p:xfrm>
-          <a:off x="10350022" y="887259"/>
-          <a:ext cx="3523588" cy="1828850"/>
+          <a:off x="10876625" y="6007779"/>
+          <a:ext cx="3523588" cy="2560390"/>
         </p:xfrm>
         <a:graphic>
           <a:graphicData uri="http://schemas.openxmlformats.org/drawingml/2006/table">
@@ -14547,7 +14211,7 @@
                       </a:pPr>
                       <a:r>
                         <a:rPr lang="en-US" sz="1800" u="none" strike="noStrike" cap="none" dirty="0"/>
-                        <a:t>POSTs</a:t>
+                        <a:t>POSTS</a:t>
                       </a:r>
                       <a:endParaRPr sz="1800" u="none" strike="noStrike" cap="none" dirty="0"/>
                     </a:p>
@@ -14611,7 +14275,11 @@
                         </a:rPr>
                         <a:t>PK</a:t>
                       </a:r>
-                      <a:endParaRPr sz="1800" u="none" strike="noStrike" cap="none" dirty="0"/>
+                      <a:endParaRPr sz="1800" u="none" strike="noStrike" cap="none" dirty="0">
+                        <a:solidFill>
+                          <a:srgbClr val="FF0000"/>
+                        </a:solidFill>
+                      </a:endParaRPr>
                     </a:p>
                   </a:txBody>
                   <a:tcPr marL="91450" marR="91450" marT="45725" marB="45725"/>
@@ -14835,8 +14503,8 @@
                         <a:buNone/>
                       </a:pPr>
                       <a:r>
-                        <a:rPr lang="en-US" sz="1800" u="none" strike="noStrike" cap="none" dirty="0" err="1"/>
-                        <a:t>discriptoin</a:t>
+                        <a:rPr lang="en-US" sz="1800" u="none" strike="noStrike" cap="none" dirty="0"/>
+                        <a:t>description</a:t>
                       </a:r>
                       <a:endParaRPr sz="1800" u="none" strike="noStrike" cap="none" dirty="0"/>
                     </a:p>
@@ -14877,6 +14545,198 @@
                 <a:extLst>
                   <a:ext uri="{0D108BD9-81ED-4DB2-BD59-A6C34878D82A}">
                     <a16:rowId xmlns:a16="http://schemas.microsoft.com/office/drawing/2014/main" val="2232270643"/>
+                  </a:ext>
+                </a:extLst>
+              </a:tr>
+              <a:tr h="181973">
+                <a:tc>
+                  <a:txBody>
+                    <a:bodyPr/>
+                    <a:lstStyle/>
+                    <a:p>
+                      <a:pPr marL="0" marR="0" lvl="0" indent="0" algn="l" rtl="0">
+                        <a:lnSpc>
+                          <a:spcPct val="100000"/>
+                        </a:lnSpc>
+                        <a:spcBef>
+                          <a:spcPts val="0"/>
+                        </a:spcBef>
+                        <a:spcAft>
+                          <a:spcPts val="0"/>
+                        </a:spcAft>
+                        <a:buClr>
+                          <a:srgbClr val="000000"/>
+                        </a:buClr>
+                        <a:buSzPts val="1800"/>
+                        <a:buFont typeface="Arial"/>
+                        <a:buNone/>
+                      </a:pPr>
+                      <a:endParaRPr sz="1800" u="none" strike="noStrike" cap="none" dirty="0"/>
+                    </a:p>
+                  </a:txBody>
+                  <a:tcPr marL="91450" marR="91450" marT="45725" marB="45725"/>
+                </a:tc>
+                <a:tc>
+                  <a:txBody>
+                    <a:bodyPr/>
+                    <a:lstStyle/>
+                    <a:p>
+                      <a:pPr marL="0" marR="0" lvl="0" indent="0" algn="l" rtl="0">
+                        <a:lnSpc>
+                          <a:spcPct val="100000"/>
+                        </a:lnSpc>
+                        <a:spcBef>
+                          <a:spcPts val="0"/>
+                        </a:spcBef>
+                        <a:spcAft>
+                          <a:spcPts val="0"/>
+                        </a:spcAft>
+                        <a:buClr>
+                          <a:srgbClr val="000000"/>
+                        </a:buClr>
+                        <a:buSzPts val="1800"/>
+                        <a:buFont typeface="Arial"/>
+                        <a:buNone/>
+                      </a:pPr>
+                      <a:r>
+                        <a:rPr lang="en-US" sz="1800" u="none" strike="noStrike" cap="none" dirty="0"/>
+                        <a:t>Filename</a:t>
+                      </a:r>
+                      <a:endParaRPr sz="1800" u="none" strike="noStrike" cap="none" dirty="0"/>
+                    </a:p>
+                  </a:txBody>
+                  <a:tcPr marL="91450" marR="91450" marT="45725" marB="45725"/>
+                </a:tc>
+                <a:tc>
+                  <a:txBody>
+                    <a:bodyPr/>
+                    <a:lstStyle/>
+                    <a:p>
+                      <a:pPr marL="0" marR="0" lvl="0" indent="0" algn="l" rtl="0">
+                        <a:lnSpc>
+                          <a:spcPct val="100000"/>
+                        </a:lnSpc>
+                        <a:spcBef>
+                          <a:spcPts val="0"/>
+                        </a:spcBef>
+                        <a:spcAft>
+                          <a:spcPts val="0"/>
+                        </a:spcAft>
+                        <a:buClr>
+                          <a:srgbClr val="000000"/>
+                        </a:buClr>
+                        <a:buSzPts val="1800"/>
+                        <a:buFont typeface="Arial"/>
+                        <a:buNone/>
+                      </a:pPr>
+                      <a:r>
+                        <a:rPr lang="en-US" sz="1800" u="none" strike="noStrike" cap="none" dirty="0"/>
+                        <a:t>Char(200)</a:t>
+                      </a:r>
+                      <a:endParaRPr sz="1800" u="none" strike="noStrike" cap="none" dirty="0"/>
+                    </a:p>
+                  </a:txBody>
+                  <a:tcPr marL="91450" marR="91450" marT="45725" marB="45725"/>
+                </a:tc>
+                <a:extLst>
+                  <a:ext uri="{0D108BD9-81ED-4DB2-BD59-A6C34878D82A}">
+                    <a16:rowId xmlns:a16="http://schemas.microsoft.com/office/drawing/2014/main" val="676820290"/>
+                  </a:ext>
+                </a:extLst>
+              </a:tr>
+              <a:tr h="181973">
+                <a:tc>
+                  <a:txBody>
+                    <a:bodyPr/>
+                    <a:lstStyle/>
+                    <a:p>
+                      <a:pPr marL="0" marR="0" lvl="0" indent="0" algn="l" rtl="0">
+                        <a:lnSpc>
+                          <a:spcPct val="100000"/>
+                        </a:lnSpc>
+                        <a:spcBef>
+                          <a:spcPts val="0"/>
+                        </a:spcBef>
+                        <a:spcAft>
+                          <a:spcPts val="0"/>
+                        </a:spcAft>
+                        <a:buClr>
+                          <a:srgbClr val="000000"/>
+                        </a:buClr>
+                        <a:buSzPts val="1800"/>
+                        <a:buFont typeface="Arial"/>
+                        <a:buNone/>
+                      </a:pPr>
+                      <a:endParaRPr sz="1800" u="none" strike="noStrike" cap="none" dirty="0"/>
+                    </a:p>
+                  </a:txBody>
+                  <a:tcPr marL="91450" marR="91450" marT="45725" marB="45725"/>
+                </a:tc>
+                <a:tc>
+                  <a:txBody>
+                    <a:bodyPr/>
+                    <a:lstStyle/>
+                    <a:p>
+                      <a:pPr marL="0" marR="0" lvl="0" indent="0" algn="l" rtl="0">
+                        <a:lnSpc>
+                          <a:spcPct val="100000"/>
+                        </a:lnSpc>
+                        <a:spcBef>
+                          <a:spcPts val="0"/>
+                        </a:spcBef>
+                        <a:spcAft>
+                          <a:spcPts val="0"/>
+                        </a:spcAft>
+                        <a:buClr>
+                          <a:srgbClr val="000000"/>
+                        </a:buClr>
+                        <a:buSzPts val="1800"/>
+                        <a:buFont typeface="Arial"/>
+                        <a:buNone/>
+                      </a:pPr>
+                      <a:r>
+                        <a:rPr lang="en-US" sz="1800" u="none" strike="noStrike" cap="none" dirty="0" err="1"/>
+                        <a:t>Date_post</a:t>
+                      </a:r>
+                      <a:endParaRPr sz="1800" u="none" strike="noStrike" cap="none" dirty="0"/>
+                    </a:p>
+                  </a:txBody>
+                  <a:tcPr marL="91450" marR="91450" marT="45725" marB="45725"/>
+                </a:tc>
+                <a:tc>
+                  <a:txBody>
+                    <a:bodyPr/>
+                    <a:lstStyle/>
+                    <a:p>
+                      <a:pPr marL="0" marR="0" lvl="0" indent="0" algn="l" rtl="0">
+                        <a:lnSpc>
+                          <a:spcPct val="100000"/>
+                        </a:lnSpc>
+                        <a:spcBef>
+                          <a:spcPts val="0"/>
+                        </a:spcBef>
+                        <a:spcAft>
+                          <a:spcPts val="0"/>
+                        </a:spcAft>
+                        <a:buClr>
+                          <a:srgbClr val="000000"/>
+                        </a:buClr>
+                        <a:buSzPts val="1800"/>
+                        <a:buFont typeface="Arial"/>
+                        <a:buNone/>
+                      </a:pPr>
+                      <a:r>
+                        <a:rPr lang="en-US" sz="1800" u="none" strike="noStrike" cap="none" dirty="0"/>
+                        <a:t>date</a:t>
+                      </a:r>
+                      <a:endParaRPr sz="1800" u="none" strike="noStrike" cap="none" dirty="0"/>
+                    </a:p>
+                  </a:txBody>
+                  <a:tcPr marL="91450" marR="91450" marT="45725" marB="45725"/>
+                </a:tc>
+                <a:extLst>
+                  <a:ext uri="{0D108BD9-81ED-4DB2-BD59-A6C34878D82A}">
+                    <a16:rowId xmlns:a16="http://schemas.microsoft.com/office/drawing/2014/main" val="4082755751"/>
                   </a:ext>
                 </a:extLst>
               </a:tr>
@@ -15011,13 +14871,13 @@
           <p:nvPr>
             <p:extLst>
               <p:ext uri="{D42A27DB-BD31-4B8C-83A1-F6EECF244321}">
-                <p14:modId xmlns:p14="http://schemas.microsoft.com/office/powerpoint/2010/main" val="2741661477"/>
+                <p14:modId xmlns:p14="http://schemas.microsoft.com/office/powerpoint/2010/main" val="1710842554"/>
               </p:ext>
             </p:extLst>
           </p:nvPr>
         </p:nvGraphicFramePr>
         <p:xfrm>
-          <a:off x="5820922" y="2899932"/>
+          <a:off x="5800748" y="621850"/>
           <a:ext cx="3523589" cy="3666970"/>
         </p:xfrm>
         <a:graphic>
@@ -15050,7 +14910,7 @@
                   </a:extLst>
                 </a:gridCol>
               </a:tblGrid>
-              <a:tr h="0">
+              <a:tr h="149620">
                 <a:tc gridSpan="3">
                   <a:txBody>
                     <a:bodyPr/>
@@ -15075,7 +14935,7 @@
                       </a:pPr>
                       <a:r>
                         <a:rPr lang="en-US" sz="1800" u="none" strike="noStrike" cap="none" dirty="0"/>
-                        <a:t>users</a:t>
+                        <a:t>USERS</a:t>
                       </a:r>
                       <a:endParaRPr sz="1800" u="none" strike="noStrike" cap="none" dirty="0"/>
                     </a:p>
@@ -15843,8 +15703,8 @@
                         <a:buNone/>
                       </a:pPr>
                       <a:r>
-                        <a:rPr lang="en-US" sz="1800" u="none" strike="noStrike" cap="none" dirty="0"/>
-                        <a:t>image</a:t>
+                        <a:rPr lang="en-US" sz="1800" u="none" strike="noStrike" cap="none" dirty="0" err="1"/>
+                        <a:t>Profil_img</a:t>
                       </a:r>
                       <a:endParaRPr sz="1800" u="none" strike="noStrike" cap="none" dirty="0"/>
                     </a:p>
@@ -15892,166 +15752,6 @@
           </a:graphicData>
         </a:graphic>
       </p:graphicFrame>
-      <p:cxnSp>
-        <p:nvCxnSpPr>
-          <p:cNvPr id="30" name="Straight Connector 29">
-            <a:extLst>
-              <a:ext uri="{FF2B5EF4-FFF2-40B4-BE49-F238E27FC236}">
-                <a16:creationId xmlns:a16="http://schemas.microsoft.com/office/drawing/2014/main" id="{440B0A82-B16A-4DA3-97B9-7C77C5EA7294}"/>
-              </a:ext>
-            </a:extLst>
-          </p:cNvPr>
-          <p:cNvCxnSpPr>
-            <a:cxnSpLocks/>
-          </p:cNvCxnSpPr>
-          <p:nvPr/>
-        </p:nvCxnSpPr>
-        <p:spPr>
-          <a:xfrm>
-            <a:off x="4736592" y="7385538"/>
-            <a:ext cx="2846125" cy="0"/>
-          </a:xfrm>
-          <a:prstGeom prst="line">
-            <a:avLst/>
-          </a:prstGeom>
-        </p:spPr>
-        <p:style>
-          <a:lnRef idx="1">
-            <a:schemeClr val="accent1"/>
-          </a:lnRef>
-          <a:fillRef idx="0">
-            <a:schemeClr val="accent1"/>
-          </a:fillRef>
-          <a:effectRef idx="0">
-            <a:schemeClr val="accent1"/>
-          </a:effectRef>
-          <a:fontRef idx="minor">
-            <a:schemeClr val="tx1"/>
-          </a:fontRef>
-        </p:style>
-      </p:cxnSp>
-      <p:cxnSp>
-        <p:nvCxnSpPr>
-          <p:cNvPr id="128" name="Straight Arrow Connector 127">
-            <a:extLst>
-              <a:ext uri="{FF2B5EF4-FFF2-40B4-BE49-F238E27FC236}">
-                <a16:creationId xmlns:a16="http://schemas.microsoft.com/office/drawing/2014/main" id="{3BC7EB1F-1EB6-4B09-B3DA-85D9ACEF485F}"/>
-              </a:ext>
-            </a:extLst>
-          </p:cNvPr>
-          <p:cNvCxnSpPr>
-            <a:cxnSpLocks/>
-            <a:endCxn id="3" idx="2"/>
-          </p:cNvCxnSpPr>
-          <p:nvPr/>
-        </p:nvCxnSpPr>
-        <p:spPr>
-          <a:xfrm flipV="1">
-            <a:off x="7582716" y="6566902"/>
-            <a:ext cx="0" cy="818636"/>
-          </a:xfrm>
-          <a:prstGeom prst="straightConnector1">
-            <a:avLst/>
-          </a:prstGeom>
-          <a:ln>
-            <a:tailEnd type="triangle"/>
-          </a:ln>
-        </p:spPr>
-        <p:style>
-          <a:lnRef idx="1">
-            <a:schemeClr val="accent1"/>
-          </a:lnRef>
-          <a:fillRef idx="0">
-            <a:schemeClr val="accent1"/>
-          </a:fillRef>
-          <a:effectRef idx="0">
-            <a:schemeClr val="accent1"/>
-          </a:effectRef>
-          <a:fontRef idx="minor">
-            <a:schemeClr val="tx1"/>
-          </a:fontRef>
-        </p:style>
-      </p:cxnSp>
-      <p:cxnSp>
-        <p:nvCxnSpPr>
-          <p:cNvPr id="130" name="Straight Arrow Connector 129">
-            <a:extLst>
-              <a:ext uri="{FF2B5EF4-FFF2-40B4-BE49-F238E27FC236}">
-                <a16:creationId xmlns:a16="http://schemas.microsoft.com/office/drawing/2014/main" id="{578D2C30-612D-48B2-A005-F4B8CE8EE003}"/>
-              </a:ext>
-            </a:extLst>
-          </p:cNvPr>
-          <p:cNvCxnSpPr>
-            <a:cxnSpLocks/>
-          </p:cNvCxnSpPr>
-          <p:nvPr/>
-        </p:nvCxnSpPr>
-        <p:spPr>
-          <a:xfrm flipH="1">
-            <a:off x="4505382" y="7385538"/>
-            <a:ext cx="689224" cy="0"/>
-          </a:xfrm>
-          <a:prstGeom prst="straightConnector1">
-            <a:avLst/>
-          </a:prstGeom>
-          <a:ln>
-            <a:tailEnd type="triangle"/>
-          </a:ln>
-        </p:spPr>
-        <p:style>
-          <a:lnRef idx="1">
-            <a:schemeClr val="accent1"/>
-          </a:lnRef>
-          <a:fillRef idx="0">
-            <a:schemeClr val="accent1"/>
-          </a:fillRef>
-          <a:effectRef idx="0">
-            <a:schemeClr val="accent1"/>
-          </a:effectRef>
-          <a:fontRef idx="minor">
-            <a:schemeClr val="tx1"/>
-          </a:fontRef>
-        </p:style>
-      </p:cxnSp>
-      <p:sp>
-        <p:nvSpPr>
-          <p:cNvPr id="41" name="TextBox 40">
-            <a:extLst>
-              <a:ext uri="{FF2B5EF4-FFF2-40B4-BE49-F238E27FC236}">
-                <a16:creationId xmlns:a16="http://schemas.microsoft.com/office/drawing/2014/main" id="{36E980CB-4359-443A-A0FA-CC6A94177C40}"/>
-              </a:ext>
-            </a:extLst>
-          </p:cNvPr>
-          <p:cNvSpPr txBox="1"/>
-          <p:nvPr/>
-        </p:nvSpPr>
-        <p:spPr>
-          <a:xfrm>
-            <a:off x="4456159" y="7022823"/>
-            <a:ext cx="652743" cy="307777"/>
-          </a:xfrm>
-          <a:prstGeom prst="rect">
-            <a:avLst/>
-          </a:prstGeom>
-          <a:noFill/>
-        </p:spPr>
-        <p:txBody>
-          <a:bodyPr wrap="none" rtlCol="0">
-            <a:spAutoFit/>
-          </a:bodyPr>
-          <a:lstStyle/>
-          <a:p>
-            <a:r>
-              <a:rPr lang="en-US" b="1" dirty="0">
-                <a:solidFill>
-                  <a:srgbClr val="FF0000"/>
-                </a:solidFill>
-              </a:rPr>
-              <a:t>many</a:t>
-            </a:r>
-          </a:p>
-        </p:txBody>
-      </p:sp>
       <p:graphicFrame>
         <p:nvGraphicFramePr>
           <p:cNvPr id="4" name="Table 3">
@@ -16067,13 +15767,13 @@
           <p:nvPr>
             <p:extLst>
               <p:ext uri="{D42A27DB-BD31-4B8C-83A1-F6EECF244321}">
-                <p14:modId xmlns:p14="http://schemas.microsoft.com/office/powerpoint/2010/main" val="1078326757"/>
+                <p14:modId xmlns:p14="http://schemas.microsoft.com/office/powerpoint/2010/main" val="848646048"/>
               </p:ext>
             </p:extLst>
           </p:nvPr>
         </p:nvGraphicFramePr>
         <p:xfrm>
-          <a:off x="10234668" y="6508397"/>
+          <a:off x="5820923" y="5459124"/>
           <a:ext cx="3638942" cy="1097310"/>
         </p:xfrm>
         <a:graphic>
@@ -16131,7 +15831,7 @@
                       </a:pPr>
                       <a:r>
                         <a:rPr lang="en-US" sz="1800" u="none" strike="noStrike" cap="none" dirty="0"/>
-                        <a:t>Likes</a:t>
+                        <a:t>LIKES</a:t>
                       </a:r>
                       <a:endParaRPr sz="1800" u="none" strike="noStrike" cap="none" dirty="0"/>
                     </a:p>
@@ -16400,368 +16100,6 @@
           </a:graphicData>
         </a:graphic>
       </p:graphicFrame>
-      <p:cxnSp>
-        <p:nvCxnSpPr>
-          <p:cNvPr id="10" name="Straight Arrow Connector 9">
-            <a:extLst>
-              <a:ext uri="{FF2B5EF4-FFF2-40B4-BE49-F238E27FC236}">
-                <a16:creationId xmlns:a16="http://schemas.microsoft.com/office/drawing/2014/main" id="{BBD0B034-6921-41CF-B155-CF024249C528}"/>
-              </a:ext>
-            </a:extLst>
-          </p:cNvPr>
-          <p:cNvCxnSpPr>
-            <a:cxnSpLocks/>
-            <a:endCxn id="3" idx="0"/>
-          </p:cNvCxnSpPr>
-          <p:nvPr/>
-        </p:nvCxnSpPr>
-        <p:spPr>
-          <a:xfrm>
-            <a:off x="7582716" y="1847803"/>
-            <a:ext cx="0" cy="1052129"/>
-          </a:xfrm>
-          <a:prstGeom prst="straightConnector1">
-            <a:avLst/>
-          </a:prstGeom>
-          <a:ln>
-            <a:tailEnd type="triangle"/>
-          </a:ln>
-        </p:spPr>
-        <p:style>
-          <a:lnRef idx="1">
-            <a:schemeClr val="accent1"/>
-          </a:lnRef>
-          <a:fillRef idx="0">
-            <a:schemeClr val="accent1"/>
-          </a:fillRef>
-          <a:effectRef idx="0">
-            <a:schemeClr val="accent1"/>
-          </a:effectRef>
-          <a:fontRef idx="minor">
-            <a:schemeClr val="tx1"/>
-          </a:fontRef>
-        </p:style>
-      </p:cxnSp>
-      <p:cxnSp>
-        <p:nvCxnSpPr>
-          <p:cNvPr id="14" name="Straight Arrow Connector 13">
-            <a:extLst>
-              <a:ext uri="{FF2B5EF4-FFF2-40B4-BE49-F238E27FC236}">
-                <a16:creationId xmlns:a16="http://schemas.microsoft.com/office/drawing/2014/main" id="{F4BA3DA5-C2F5-4193-A32E-E05E3CD41533}"/>
-              </a:ext>
-            </a:extLst>
-          </p:cNvPr>
-          <p:cNvCxnSpPr>
-            <a:endCxn id="133" idx="3"/>
-          </p:cNvCxnSpPr>
-          <p:nvPr/>
-        </p:nvCxnSpPr>
-        <p:spPr>
-          <a:xfrm>
-            <a:off x="4241542" y="1847803"/>
-            <a:ext cx="0" cy="0"/>
-          </a:xfrm>
-          <a:prstGeom prst="straightConnector1">
-            <a:avLst/>
-          </a:prstGeom>
-          <a:ln>
-            <a:tailEnd type="triangle"/>
-          </a:ln>
-        </p:spPr>
-        <p:style>
-          <a:lnRef idx="1">
-            <a:schemeClr val="accent1"/>
-          </a:lnRef>
-          <a:fillRef idx="0">
-            <a:schemeClr val="accent1"/>
-          </a:fillRef>
-          <a:effectRef idx="0">
-            <a:schemeClr val="accent1"/>
-          </a:effectRef>
-          <a:fontRef idx="minor">
-            <a:schemeClr val="tx1"/>
-          </a:fontRef>
-        </p:style>
-      </p:cxnSp>
-      <p:cxnSp>
-        <p:nvCxnSpPr>
-          <p:cNvPr id="17" name="Straight Arrow Connector 16">
-            <a:extLst>
-              <a:ext uri="{FF2B5EF4-FFF2-40B4-BE49-F238E27FC236}">
-                <a16:creationId xmlns:a16="http://schemas.microsoft.com/office/drawing/2014/main" id="{85AC9E5B-A557-4852-8EEA-B2CF55E2729C}"/>
-              </a:ext>
-            </a:extLst>
-          </p:cNvPr>
-          <p:cNvCxnSpPr>
-            <a:cxnSpLocks/>
-            <a:endCxn id="133" idx="3"/>
-          </p:cNvCxnSpPr>
-          <p:nvPr/>
-        </p:nvCxnSpPr>
-        <p:spPr>
-          <a:xfrm flipH="1">
-            <a:off x="4241542" y="1847803"/>
-            <a:ext cx="214617" cy="0"/>
-          </a:xfrm>
-          <a:prstGeom prst="straightConnector1">
-            <a:avLst/>
-          </a:prstGeom>
-          <a:ln>
-            <a:tailEnd type="triangle"/>
-          </a:ln>
-        </p:spPr>
-        <p:style>
-          <a:lnRef idx="1">
-            <a:schemeClr val="accent1"/>
-          </a:lnRef>
-          <a:fillRef idx="0">
-            <a:schemeClr val="accent1"/>
-          </a:fillRef>
-          <a:effectRef idx="0">
-            <a:schemeClr val="accent1"/>
-          </a:effectRef>
-          <a:fontRef idx="minor">
-            <a:schemeClr val="tx1"/>
-          </a:fontRef>
-        </p:style>
-      </p:cxnSp>
-      <p:cxnSp>
-        <p:nvCxnSpPr>
-          <p:cNvPr id="20" name="Straight Arrow Connector 19">
-            <a:extLst>
-              <a:ext uri="{FF2B5EF4-FFF2-40B4-BE49-F238E27FC236}">
-                <a16:creationId xmlns:a16="http://schemas.microsoft.com/office/drawing/2014/main" id="{17102737-E276-436C-B5CC-C64BEA34C123}"/>
-              </a:ext>
-            </a:extLst>
-          </p:cNvPr>
-          <p:cNvCxnSpPr/>
-          <p:nvPr/>
-        </p:nvCxnSpPr>
-        <p:spPr>
-          <a:xfrm>
-            <a:off x="10058400" y="1847803"/>
-            <a:ext cx="176268" cy="0"/>
-          </a:xfrm>
-          <a:prstGeom prst="straightConnector1">
-            <a:avLst/>
-          </a:prstGeom>
-          <a:ln>
-            <a:tailEnd type="triangle"/>
-          </a:ln>
-        </p:spPr>
-        <p:style>
-          <a:lnRef idx="1">
-            <a:schemeClr val="accent1"/>
-          </a:lnRef>
-          <a:fillRef idx="0">
-            <a:schemeClr val="accent1"/>
-          </a:fillRef>
-          <a:effectRef idx="0">
-            <a:schemeClr val="accent1"/>
-          </a:effectRef>
-          <a:fontRef idx="minor">
-            <a:schemeClr val="tx1"/>
-          </a:fontRef>
-        </p:style>
-      </p:cxnSp>
-      <p:cxnSp>
-        <p:nvCxnSpPr>
-          <p:cNvPr id="22" name="Straight Arrow Connector 21">
-            <a:extLst>
-              <a:ext uri="{FF2B5EF4-FFF2-40B4-BE49-F238E27FC236}">
-                <a16:creationId xmlns:a16="http://schemas.microsoft.com/office/drawing/2014/main" id="{7B84D470-0A4D-4CBF-88C8-6CF8264B7153}"/>
-              </a:ext>
-            </a:extLst>
-          </p:cNvPr>
-          <p:cNvCxnSpPr>
-            <a:cxnSpLocks/>
-          </p:cNvCxnSpPr>
-          <p:nvPr/>
-        </p:nvCxnSpPr>
-        <p:spPr>
-          <a:xfrm flipV="1">
-            <a:off x="7856663" y="6566902"/>
-            <a:ext cx="0" cy="818636"/>
-          </a:xfrm>
-          <a:prstGeom prst="straightConnector1">
-            <a:avLst/>
-          </a:prstGeom>
-          <a:ln>
-            <a:tailEnd type="triangle"/>
-          </a:ln>
-        </p:spPr>
-        <p:style>
-          <a:lnRef idx="1">
-            <a:schemeClr val="accent1"/>
-          </a:lnRef>
-          <a:fillRef idx="0">
-            <a:schemeClr val="accent1"/>
-          </a:fillRef>
-          <a:effectRef idx="0">
-            <a:schemeClr val="accent1"/>
-          </a:effectRef>
-          <a:fontRef idx="minor">
-            <a:schemeClr val="tx1"/>
-          </a:fontRef>
-        </p:style>
-      </p:cxnSp>
-      <p:cxnSp>
-        <p:nvCxnSpPr>
-          <p:cNvPr id="24" name="Straight Arrow Connector 23">
-            <a:extLst>
-              <a:ext uri="{FF2B5EF4-FFF2-40B4-BE49-F238E27FC236}">
-                <a16:creationId xmlns:a16="http://schemas.microsoft.com/office/drawing/2014/main" id="{D94FC9AA-189A-471E-8B3D-7A3D1FFDEEA5}"/>
-              </a:ext>
-            </a:extLst>
-          </p:cNvPr>
-          <p:cNvCxnSpPr/>
-          <p:nvPr/>
-        </p:nvCxnSpPr>
-        <p:spPr>
-          <a:xfrm>
-            <a:off x="7856663" y="7385538"/>
-            <a:ext cx="2289871" cy="0"/>
-          </a:xfrm>
-          <a:prstGeom prst="straightConnector1">
-            <a:avLst/>
-          </a:prstGeom>
-          <a:ln>
-            <a:tailEnd type="triangle"/>
-          </a:ln>
-        </p:spPr>
-        <p:style>
-          <a:lnRef idx="1">
-            <a:schemeClr val="accent1"/>
-          </a:lnRef>
-          <a:fillRef idx="0">
-            <a:schemeClr val="accent1"/>
-          </a:fillRef>
-          <a:effectRef idx="0">
-            <a:schemeClr val="accent1"/>
-          </a:effectRef>
-          <a:fontRef idx="minor">
-            <a:schemeClr val="tx1"/>
-          </a:fontRef>
-        </p:style>
-      </p:cxnSp>
-      <p:cxnSp>
-        <p:nvCxnSpPr>
-          <p:cNvPr id="26" name="Straight Arrow Connector 25">
-            <a:extLst>
-              <a:ext uri="{FF2B5EF4-FFF2-40B4-BE49-F238E27FC236}">
-                <a16:creationId xmlns:a16="http://schemas.microsoft.com/office/drawing/2014/main" id="{AD3AF02C-1644-461E-97CF-A5C4A509BB7B}"/>
-              </a:ext>
-            </a:extLst>
-          </p:cNvPr>
-          <p:cNvCxnSpPr/>
-          <p:nvPr/>
-        </p:nvCxnSpPr>
-        <p:spPr>
-          <a:xfrm>
-            <a:off x="12111816" y="2762228"/>
-            <a:ext cx="0" cy="3651486"/>
-          </a:xfrm>
-          <a:prstGeom prst="straightConnector1">
-            <a:avLst/>
-          </a:prstGeom>
-          <a:ln>
-            <a:headEnd type="triangle"/>
-            <a:tailEnd type="triangle"/>
-          </a:ln>
-        </p:spPr>
-        <p:style>
-          <a:lnRef idx="1">
-            <a:schemeClr val="accent1"/>
-          </a:lnRef>
-          <a:fillRef idx="0">
-            <a:schemeClr val="accent1"/>
-          </a:fillRef>
-          <a:effectRef idx="0">
-            <a:schemeClr val="accent1"/>
-          </a:effectRef>
-          <a:fontRef idx="minor">
-            <a:schemeClr val="tx1"/>
-          </a:fontRef>
-        </p:style>
-      </p:cxnSp>
-      <p:sp>
-        <p:nvSpPr>
-          <p:cNvPr id="36" name="TextBox 35">
-            <a:extLst>
-              <a:ext uri="{FF2B5EF4-FFF2-40B4-BE49-F238E27FC236}">
-                <a16:creationId xmlns:a16="http://schemas.microsoft.com/office/drawing/2014/main" id="{683FB8C6-B2E5-4031-BAB0-3B2A82D4E601}"/>
-              </a:ext>
-            </a:extLst>
-          </p:cNvPr>
-          <p:cNvSpPr txBox="1"/>
-          <p:nvPr/>
-        </p:nvSpPr>
-        <p:spPr>
-          <a:xfrm>
-            <a:off x="11447791" y="6129541"/>
-            <a:ext cx="652743" cy="307777"/>
-          </a:xfrm>
-          <a:prstGeom prst="rect">
-            <a:avLst/>
-          </a:prstGeom>
-          <a:noFill/>
-        </p:spPr>
-        <p:txBody>
-          <a:bodyPr wrap="none" rtlCol="0">
-            <a:spAutoFit/>
-          </a:bodyPr>
-          <a:lstStyle/>
-          <a:p>
-            <a:r>
-              <a:rPr lang="en-US" b="1" dirty="0">
-                <a:solidFill>
-                  <a:srgbClr val="FF0000"/>
-                </a:solidFill>
-              </a:rPr>
-              <a:t>many</a:t>
-            </a:r>
-          </a:p>
-        </p:txBody>
-      </p:sp>
-      <p:sp>
-        <p:nvSpPr>
-          <p:cNvPr id="37" name="TextBox 36">
-            <a:extLst>
-              <a:ext uri="{FF2B5EF4-FFF2-40B4-BE49-F238E27FC236}">
-                <a16:creationId xmlns:a16="http://schemas.microsoft.com/office/drawing/2014/main" id="{0CD684CE-D6ED-4A6D-B1A3-7576802E7881}"/>
-              </a:ext>
-            </a:extLst>
-          </p:cNvPr>
-          <p:cNvSpPr txBox="1"/>
-          <p:nvPr/>
-        </p:nvSpPr>
-        <p:spPr>
-          <a:xfrm>
-            <a:off x="11552078" y="2766531"/>
-            <a:ext cx="502061" cy="307777"/>
-          </a:xfrm>
-          <a:prstGeom prst="rect">
-            <a:avLst/>
-          </a:prstGeom>
-          <a:noFill/>
-        </p:spPr>
-        <p:txBody>
-          <a:bodyPr wrap="none" rtlCol="0">
-            <a:spAutoFit/>
-          </a:bodyPr>
-          <a:lstStyle/>
-          <a:p>
-            <a:r>
-              <a:rPr lang="en-US" b="1" dirty="0">
-                <a:solidFill>
-                  <a:srgbClr val="FF0000"/>
-                </a:solidFill>
-              </a:rPr>
-              <a:t>one</a:t>
-            </a:r>
-          </a:p>
-        </p:txBody>
-      </p:sp>
       <p:sp>
         <p:nvSpPr>
           <p:cNvPr id="38" name="TextBox 37">
@@ -16776,163 +16114,7 @@
         </p:nvSpPr>
         <p:spPr>
           <a:xfrm>
-            <a:off x="7593999" y="2637568"/>
-            <a:ext cx="502061" cy="307777"/>
-          </a:xfrm>
-          <a:prstGeom prst="rect">
-            <a:avLst/>
-          </a:prstGeom>
-          <a:noFill/>
-        </p:spPr>
-        <p:txBody>
-          <a:bodyPr wrap="none" rtlCol="0">
-            <a:spAutoFit/>
-          </a:bodyPr>
-          <a:lstStyle/>
-          <a:p>
-            <a:r>
-              <a:rPr lang="en-US" b="1" dirty="0">
-                <a:solidFill>
-                  <a:srgbClr val="FF0000"/>
-                </a:solidFill>
-              </a:rPr>
-              <a:t>one</a:t>
-            </a:r>
-          </a:p>
-        </p:txBody>
-      </p:sp>
-      <p:sp>
-        <p:nvSpPr>
-          <p:cNvPr id="39" name="TextBox 38">
-            <a:extLst>
-              <a:ext uri="{FF2B5EF4-FFF2-40B4-BE49-F238E27FC236}">
-                <a16:creationId xmlns:a16="http://schemas.microsoft.com/office/drawing/2014/main" id="{9FF7A591-D69E-4CC0-8C6B-A771462ACECD}"/>
-              </a:ext>
-            </a:extLst>
-          </p:cNvPr>
-          <p:cNvSpPr txBox="1"/>
-          <p:nvPr/>
-        </p:nvSpPr>
-        <p:spPr>
-          <a:xfrm>
-            <a:off x="7058374" y="6565323"/>
-            <a:ext cx="502061" cy="307777"/>
-          </a:xfrm>
-          <a:prstGeom prst="rect">
-            <a:avLst/>
-          </a:prstGeom>
-          <a:noFill/>
-        </p:spPr>
-        <p:txBody>
-          <a:bodyPr wrap="none" rtlCol="0">
-            <a:spAutoFit/>
-          </a:bodyPr>
-          <a:lstStyle/>
-          <a:p>
-            <a:r>
-              <a:rPr lang="en-US" b="1" dirty="0">
-                <a:solidFill>
-                  <a:srgbClr val="FF0000"/>
-                </a:solidFill>
-              </a:rPr>
-              <a:t>one</a:t>
-            </a:r>
-          </a:p>
-        </p:txBody>
-      </p:sp>
-      <p:sp>
-        <p:nvSpPr>
-          <p:cNvPr id="40" name="TextBox 39">
-            <a:extLst>
-              <a:ext uri="{FF2B5EF4-FFF2-40B4-BE49-F238E27FC236}">
-                <a16:creationId xmlns:a16="http://schemas.microsoft.com/office/drawing/2014/main" id="{E92ACEE4-19C7-40C3-9AFA-8A0199CC6C9B}"/>
-              </a:ext>
-            </a:extLst>
-          </p:cNvPr>
-          <p:cNvSpPr txBox="1"/>
-          <p:nvPr/>
-        </p:nvSpPr>
-        <p:spPr>
-          <a:xfrm>
-            <a:off x="7912617" y="6621840"/>
-            <a:ext cx="502061" cy="307777"/>
-          </a:xfrm>
-          <a:prstGeom prst="rect">
-            <a:avLst/>
-          </a:prstGeom>
-          <a:noFill/>
-        </p:spPr>
-        <p:txBody>
-          <a:bodyPr wrap="none" rtlCol="0">
-            <a:spAutoFit/>
-          </a:bodyPr>
-          <a:lstStyle/>
-          <a:p>
-            <a:r>
-              <a:rPr lang="en-US" b="1" dirty="0">
-                <a:solidFill>
-                  <a:srgbClr val="FF0000"/>
-                </a:solidFill>
-              </a:rPr>
-              <a:t>one</a:t>
-            </a:r>
-          </a:p>
-        </p:txBody>
-      </p:sp>
-      <p:sp>
-        <p:nvSpPr>
-          <p:cNvPr id="42" name="TextBox 41">
-            <a:extLst>
-              <a:ext uri="{FF2B5EF4-FFF2-40B4-BE49-F238E27FC236}">
-                <a16:creationId xmlns:a16="http://schemas.microsoft.com/office/drawing/2014/main" id="{FAA32071-93D4-47A9-9F74-97CEFC2CB053}"/>
-              </a:ext>
-            </a:extLst>
-          </p:cNvPr>
-          <p:cNvSpPr txBox="1"/>
-          <p:nvPr/>
-        </p:nvSpPr>
-        <p:spPr>
-          <a:xfrm>
-            <a:off x="9474753" y="7022823"/>
-            <a:ext cx="652743" cy="307777"/>
-          </a:xfrm>
-          <a:prstGeom prst="rect">
-            <a:avLst/>
-          </a:prstGeom>
-          <a:noFill/>
-        </p:spPr>
-        <p:txBody>
-          <a:bodyPr wrap="none" rtlCol="0">
-            <a:spAutoFit/>
-          </a:bodyPr>
-          <a:lstStyle/>
-          <a:p>
-            <a:r>
-              <a:rPr lang="en-US" b="1" dirty="0">
-                <a:solidFill>
-                  <a:srgbClr val="FF0000"/>
-                </a:solidFill>
-              </a:rPr>
-              <a:t>many</a:t>
-            </a:r>
-          </a:p>
-        </p:txBody>
-      </p:sp>
-      <p:sp>
-        <p:nvSpPr>
-          <p:cNvPr id="43" name="TextBox 42">
-            <a:extLst>
-              <a:ext uri="{FF2B5EF4-FFF2-40B4-BE49-F238E27FC236}">
-                <a16:creationId xmlns:a16="http://schemas.microsoft.com/office/drawing/2014/main" id="{A8FC7C0E-9E88-4B82-A9C8-3F0C11432888}"/>
-              </a:ext>
-            </a:extLst>
-          </p:cNvPr>
-          <p:cNvSpPr txBox="1"/>
-          <p:nvPr/>
-        </p:nvSpPr>
-        <p:spPr>
-          <a:xfrm>
-            <a:off x="9720033" y="1416718"/>
+            <a:off x="7607263" y="4426030"/>
             <a:ext cx="502061" cy="307777"/>
           </a:xfrm>
           <a:prstGeom prst="rect">
@@ -16971,7 +16153,7 @@
         </p:nvSpPr>
         <p:spPr>
           <a:xfrm>
-            <a:off x="4241542" y="1458061"/>
+            <a:off x="7611141" y="5151347"/>
             <a:ext cx="652743" cy="307777"/>
           </a:xfrm>
           <a:prstGeom prst="rect">
@@ -16998,10 +16180,10 @@
       </p:sp>
       <p:cxnSp>
         <p:nvCxnSpPr>
-          <p:cNvPr id="15" name="Straight Arrow Connector 14">
+          <p:cNvPr id="6" name="Straight Arrow Connector 5">
             <a:extLst>
               <a:ext uri="{FF2B5EF4-FFF2-40B4-BE49-F238E27FC236}">
-                <a16:creationId xmlns:a16="http://schemas.microsoft.com/office/drawing/2014/main" id="{13337861-08E9-4232-A1B9-A3782704152D}"/>
+                <a16:creationId xmlns:a16="http://schemas.microsoft.com/office/drawing/2014/main" id="{B1C8AECB-E92F-44F2-BED2-335CD1E79915}"/>
               </a:ext>
             </a:extLst>
           </p:cNvPr>
@@ -17009,9 +16191,49 @@
           <p:nvPr/>
         </p:nvCxnSpPr>
         <p:spPr>
-          <a:xfrm flipH="1">
-            <a:off x="4241542" y="1847803"/>
-            <a:ext cx="3352457" cy="0"/>
+          <a:xfrm>
+            <a:off x="7582717" y="4474873"/>
+            <a:ext cx="0" cy="984251"/>
+          </a:xfrm>
+          <a:prstGeom prst="straightConnector1">
+            <a:avLst/>
+          </a:prstGeom>
+          <a:ln>
+            <a:headEnd type="triangle"/>
+            <a:tailEnd type="triangle"/>
+          </a:ln>
+        </p:spPr>
+        <p:style>
+          <a:lnRef idx="1">
+            <a:schemeClr val="accent1"/>
+          </a:lnRef>
+          <a:fillRef idx="0">
+            <a:schemeClr val="accent1"/>
+          </a:fillRef>
+          <a:effectRef idx="0">
+            <a:schemeClr val="accent1"/>
+          </a:effectRef>
+          <a:fontRef idx="minor">
+            <a:schemeClr val="tx1"/>
+          </a:fontRef>
+        </p:style>
+      </p:cxnSp>
+      <p:cxnSp>
+        <p:nvCxnSpPr>
+          <p:cNvPr id="8" name="Straight Arrow Connector 7">
+            <a:extLst>
+              <a:ext uri="{FF2B5EF4-FFF2-40B4-BE49-F238E27FC236}">
+                <a16:creationId xmlns:a16="http://schemas.microsoft.com/office/drawing/2014/main" id="{2DBE9D24-06D8-40D0-9222-B067D35F63C8}"/>
+              </a:ext>
+            </a:extLst>
+          </p:cNvPr>
+          <p:cNvCxnSpPr/>
+          <p:nvPr/>
+        </p:nvCxnSpPr>
+        <p:spPr>
+          <a:xfrm>
+            <a:off x="1819471" y="2404491"/>
+            <a:ext cx="4001452" cy="0"/>
           </a:xfrm>
           <a:prstGeom prst="straightConnector1">
             <a:avLst/>
@@ -17037,20 +16259,22 @@
       </p:cxnSp>
       <p:cxnSp>
         <p:nvCxnSpPr>
-          <p:cNvPr id="18" name="Straight Arrow Connector 17">
+          <p:cNvPr id="11" name="Straight Arrow Connector 10">
             <a:extLst>
               <a:ext uri="{FF2B5EF4-FFF2-40B4-BE49-F238E27FC236}">
-                <a16:creationId xmlns:a16="http://schemas.microsoft.com/office/drawing/2014/main" id="{9FDD88B4-B99A-4A47-9C2D-3416862E3369}"/>
+                <a16:creationId xmlns:a16="http://schemas.microsoft.com/office/drawing/2014/main" id="{02759F2F-39C0-4F2B-B1FF-A08BA4DCC34C}"/>
               </a:ext>
             </a:extLst>
           </p:cNvPr>
-          <p:cNvCxnSpPr/>
+          <p:cNvCxnSpPr>
+            <a:cxnSpLocks/>
+          </p:cNvCxnSpPr>
           <p:nvPr/>
         </p:nvCxnSpPr>
         <p:spPr>
           <a:xfrm>
-            <a:off x="4241542" y="1416718"/>
-            <a:ext cx="5993126" cy="0"/>
+            <a:off x="1819471" y="2377890"/>
+            <a:ext cx="0" cy="4057416"/>
           </a:xfrm>
           <a:prstGeom prst="straightConnector1">
             <a:avLst/>
@@ -17076,24 +16300,29 @@
       </p:cxnSp>
       <p:cxnSp>
         <p:nvCxnSpPr>
-          <p:cNvPr id="21" name="Straight Connector 20">
+          <p:cNvPr id="19" name="Straight Arrow Connector 18">
             <a:extLst>
               <a:ext uri="{FF2B5EF4-FFF2-40B4-BE49-F238E27FC236}">
-                <a16:creationId xmlns:a16="http://schemas.microsoft.com/office/drawing/2014/main" id="{8F54DFA9-0860-4DC2-B58D-08BCED96C7F0}"/>
+                <a16:creationId xmlns:a16="http://schemas.microsoft.com/office/drawing/2014/main" id="{C331FFC8-5804-42FF-B6B3-6CCBC48AFAA0}"/>
               </a:ext>
             </a:extLst>
           </p:cNvPr>
-          <p:cNvCxnSpPr/>
+          <p:cNvCxnSpPr>
+            <a:cxnSpLocks/>
+          </p:cNvCxnSpPr>
           <p:nvPr/>
         </p:nvCxnSpPr>
         <p:spPr>
-          <a:xfrm>
-            <a:off x="8096060" y="1847803"/>
-            <a:ext cx="2050474" cy="0"/>
+          <a:xfrm flipH="1">
+            <a:off x="9386377" y="2417829"/>
+            <a:ext cx="3146537" cy="0"/>
           </a:xfrm>
-          <a:prstGeom prst="line">
+          <a:prstGeom prst="straightConnector1">
             <a:avLst/>
           </a:prstGeom>
+          <a:ln>
+            <a:tailEnd type="triangle"/>
+          </a:ln>
         </p:spPr>
         <p:style>
           <a:lnRef idx="1">
@@ -17112,22 +16341,142 @@
       </p:cxnSp>
       <p:cxnSp>
         <p:nvCxnSpPr>
-          <p:cNvPr id="25" name="Straight Arrow Connector 24">
+          <p:cNvPr id="27" name="Straight Arrow Connector 26">
             <a:extLst>
               <a:ext uri="{FF2B5EF4-FFF2-40B4-BE49-F238E27FC236}">
-                <a16:creationId xmlns:a16="http://schemas.microsoft.com/office/drawing/2014/main" id="{9AFCF2E5-0F9A-4F23-82C6-04758778E738}"/>
+                <a16:creationId xmlns:a16="http://schemas.microsoft.com/office/drawing/2014/main" id="{92686959-79F3-4C08-8439-7D75DE113949}"/>
               </a:ext>
             </a:extLst>
           </p:cNvPr>
           <p:cNvCxnSpPr>
-            <a:endCxn id="38" idx="3"/>
+            <a:cxnSpLocks/>
           </p:cNvCxnSpPr>
           <p:nvPr/>
         </p:nvCxnSpPr>
         <p:spPr>
           <a:xfrm>
-            <a:off x="8096060" y="1847803"/>
-            <a:ext cx="0" cy="943654"/>
+            <a:off x="12532914" y="2417829"/>
+            <a:ext cx="0" cy="3589950"/>
+          </a:xfrm>
+          <a:prstGeom prst="straightConnector1">
+            <a:avLst/>
+          </a:prstGeom>
+          <a:ln>
+            <a:tailEnd type="triangle"/>
+          </a:ln>
+        </p:spPr>
+        <p:style>
+          <a:lnRef idx="1">
+            <a:schemeClr val="accent1"/>
+          </a:lnRef>
+          <a:fillRef idx="0">
+            <a:schemeClr val="accent1"/>
+          </a:fillRef>
+          <a:effectRef idx="0">
+            <a:schemeClr val="accent1"/>
+          </a:effectRef>
+          <a:fontRef idx="minor">
+            <a:schemeClr val="tx1"/>
+          </a:fontRef>
+        </p:style>
+      </p:cxnSp>
+      <p:cxnSp>
+        <p:nvCxnSpPr>
+          <p:cNvPr id="29" name="Straight Arrow Connector 28">
+            <a:extLst>
+              <a:ext uri="{FF2B5EF4-FFF2-40B4-BE49-F238E27FC236}">
+                <a16:creationId xmlns:a16="http://schemas.microsoft.com/office/drawing/2014/main" id="{DD1E0D20-8538-4A4C-975A-D3502CF80059}"/>
+              </a:ext>
+            </a:extLst>
+          </p:cNvPr>
+          <p:cNvCxnSpPr/>
+          <p:nvPr/>
+        </p:nvCxnSpPr>
+        <p:spPr>
+          <a:xfrm>
+            <a:off x="3638942" y="7660257"/>
+            <a:ext cx="7237683" cy="0"/>
+          </a:xfrm>
+          <a:prstGeom prst="straightConnector1">
+            <a:avLst/>
+          </a:prstGeom>
+          <a:ln>
+            <a:headEnd type="triangle"/>
+            <a:tailEnd type="triangle"/>
+          </a:ln>
+        </p:spPr>
+        <p:style>
+          <a:lnRef idx="1">
+            <a:schemeClr val="accent1"/>
+          </a:lnRef>
+          <a:fillRef idx="0">
+            <a:schemeClr val="accent1"/>
+          </a:fillRef>
+          <a:effectRef idx="0">
+            <a:schemeClr val="accent1"/>
+          </a:effectRef>
+          <a:fontRef idx="minor">
+            <a:schemeClr val="tx1"/>
+          </a:fontRef>
+        </p:style>
+      </p:cxnSp>
+      <p:cxnSp>
+        <p:nvCxnSpPr>
+          <p:cNvPr id="32" name="Straight Arrow Connector 31">
+            <a:extLst>
+              <a:ext uri="{FF2B5EF4-FFF2-40B4-BE49-F238E27FC236}">
+                <a16:creationId xmlns:a16="http://schemas.microsoft.com/office/drawing/2014/main" id="{A4C3A6DA-068A-48AE-A81F-B2BFF7EE067F}"/>
+              </a:ext>
+            </a:extLst>
+          </p:cNvPr>
+          <p:cNvCxnSpPr>
+            <a:endCxn id="4" idx="2"/>
+          </p:cNvCxnSpPr>
+          <p:nvPr/>
+        </p:nvCxnSpPr>
+        <p:spPr>
+          <a:xfrm flipV="1">
+            <a:off x="7640394" y="6556434"/>
+            <a:ext cx="0" cy="379204"/>
+          </a:xfrm>
+          <a:prstGeom prst="straightConnector1">
+            <a:avLst/>
+          </a:prstGeom>
+          <a:ln>
+            <a:tailEnd type="triangle"/>
+          </a:ln>
+        </p:spPr>
+        <p:style>
+          <a:lnRef idx="1">
+            <a:schemeClr val="accent1"/>
+          </a:lnRef>
+          <a:fillRef idx="0">
+            <a:schemeClr val="accent1"/>
+          </a:fillRef>
+          <a:effectRef idx="0">
+            <a:schemeClr val="accent1"/>
+          </a:effectRef>
+          <a:fontRef idx="minor">
+            <a:schemeClr val="tx1"/>
+          </a:fontRef>
+        </p:style>
+      </p:cxnSp>
+      <p:cxnSp>
+        <p:nvCxnSpPr>
+          <p:cNvPr id="34" name="Straight Arrow Connector 33">
+            <a:extLst>
+              <a:ext uri="{FF2B5EF4-FFF2-40B4-BE49-F238E27FC236}">
+                <a16:creationId xmlns:a16="http://schemas.microsoft.com/office/drawing/2014/main" id="{B1697488-E431-4D3D-9C99-7A7EE1793AE6}"/>
+              </a:ext>
+            </a:extLst>
+          </p:cNvPr>
+          <p:cNvCxnSpPr/>
+          <p:nvPr/>
+        </p:nvCxnSpPr>
+        <p:spPr>
+          <a:xfrm>
+            <a:off x="7640394" y="6935638"/>
+            <a:ext cx="3236231" cy="0"/>
           </a:xfrm>
           <a:prstGeom prst="straightConnector1">
             <a:avLst/>
@@ -17153,10 +16502,10 @@
       </p:cxnSp>
       <p:sp>
         <p:nvSpPr>
-          <p:cNvPr id="45" name="TextBox 44">
+          <p:cNvPr id="51" name="TextBox 50">
             <a:extLst>
               <a:ext uri="{FF2B5EF4-FFF2-40B4-BE49-F238E27FC236}">
-                <a16:creationId xmlns:a16="http://schemas.microsoft.com/office/drawing/2014/main" id="{D3B3ED2B-FB63-4306-B169-45A85C3213D5}"/>
+                <a16:creationId xmlns:a16="http://schemas.microsoft.com/office/drawing/2014/main" id="{32BD4AB3-8132-49CD-9B5C-F3C43FC30045}"/>
               </a:ext>
             </a:extLst>
           </p:cNvPr>
@@ -17165,7 +16514,280 @@
         </p:nvSpPr>
         <p:spPr>
           <a:xfrm>
-            <a:off x="9703859" y="1866131"/>
+            <a:off x="10320051" y="6627454"/>
+            <a:ext cx="502061" cy="307777"/>
+          </a:xfrm>
+          <a:prstGeom prst="rect">
+            <a:avLst/>
+          </a:prstGeom>
+          <a:noFill/>
+        </p:spPr>
+        <p:txBody>
+          <a:bodyPr wrap="none" rtlCol="0">
+            <a:spAutoFit/>
+          </a:bodyPr>
+          <a:lstStyle/>
+          <a:p>
+            <a:r>
+              <a:rPr lang="en-US" b="1" dirty="0">
+                <a:solidFill>
+                  <a:srgbClr val="FF0000"/>
+                </a:solidFill>
+              </a:rPr>
+              <a:t>one</a:t>
+            </a:r>
+          </a:p>
+        </p:txBody>
+      </p:sp>
+      <p:sp>
+        <p:nvSpPr>
+          <p:cNvPr id="52" name="TextBox 51">
+            <a:extLst>
+              <a:ext uri="{FF2B5EF4-FFF2-40B4-BE49-F238E27FC236}">
+                <a16:creationId xmlns:a16="http://schemas.microsoft.com/office/drawing/2014/main" id="{A7F8E8D4-B589-46E6-ABF0-02E2B802AB46}"/>
+              </a:ext>
+            </a:extLst>
+          </p:cNvPr>
+          <p:cNvSpPr txBox="1"/>
+          <p:nvPr/>
+        </p:nvSpPr>
+        <p:spPr>
+          <a:xfrm>
+            <a:off x="7696031" y="6507654"/>
+            <a:ext cx="652743" cy="307777"/>
+          </a:xfrm>
+          <a:prstGeom prst="rect">
+            <a:avLst/>
+          </a:prstGeom>
+          <a:noFill/>
+        </p:spPr>
+        <p:txBody>
+          <a:bodyPr wrap="none" rtlCol="0">
+            <a:spAutoFit/>
+          </a:bodyPr>
+          <a:lstStyle/>
+          <a:p>
+            <a:r>
+              <a:rPr lang="en-US" b="1" dirty="0">
+                <a:solidFill>
+                  <a:srgbClr val="FF0000"/>
+                </a:solidFill>
+              </a:rPr>
+              <a:t>many</a:t>
+            </a:r>
+          </a:p>
+        </p:txBody>
+      </p:sp>
+      <p:sp>
+        <p:nvSpPr>
+          <p:cNvPr id="53" name="TextBox 52">
+            <a:extLst>
+              <a:ext uri="{FF2B5EF4-FFF2-40B4-BE49-F238E27FC236}">
+                <a16:creationId xmlns:a16="http://schemas.microsoft.com/office/drawing/2014/main" id="{5CD53440-71B0-4070-852C-AEA2919800DD}"/>
+              </a:ext>
+            </a:extLst>
+          </p:cNvPr>
+          <p:cNvSpPr txBox="1"/>
+          <p:nvPr/>
+        </p:nvSpPr>
+        <p:spPr>
+          <a:xfrm>
+            <a:off x="10370070" y="7314435"/>
+            <a:ext cx="502061" cy="307777"/>
+          </a:xfrm>
+          <a:prstGeom prst="rect">
+            <a:avLst/>
+          </a:prstGeom>
+          <a:noFill/>
+        </p:spPr>
+        <p:txBody>
+          <a:bodyPr wrap="none" rtlCol="0">
+            <a:spAutoFit/>
+          </a:bodyPr>
+          <a:lstStyle/>
+          <a:p>
+            <a:r>
+              <a:rPr lang="en-US" b="1" dirty="0">
+                <a:solidFill>
+                  <a:srgbClr val="FF0000"/>
+                </a:solidFill>
+              </a:rPr>
+              <a:t>one</a:t>
+            </a:r>
+          </a:p>
+        </p:txBody>
+      </p:sp>
+      <p:sp>
+        <p:nvSpPr>
+          <p:cNvPr id="54" name="TextBox 53">
+            <a:extLst>
+              <a:ext uri="{FF2B5EF4-FFF2-40B4-BE49-F238E27FC236}">
+                <a16:creationId xmlns:a16="http://schemas.microsoft.com/office/drawing/2014/main" id="{8E37117A-A417-4B03-B92D-76A8E9E37794}"/>
+              </a:ext>
+            </a:extLst>
+          </p:cNvPr>
+          <p:cNvSpPr txBox="1"/>
+          <p:nvPr/>
+        </p:nvSpPr>
+        <p:spPr>
+          <a:xfrm>
+            <a:off x="3638942" y="7291916"/>
+            <a:ext cx="652743" cy="307777"/>
+          </a:xfrm>
+          <a:prstGeom prst="rect">
+            <a:avLst/>
+          </a:prstGeom>
+          <a:noFill/>
+        </p:spPr>
+        <p:txBody>
+          <a:bodyPr wrap="none" rtlCol="0">
+            <a:spAutoFit/>
+          </a:bodyPr>
+          <a:lstStyle/>
+          <a:p>
+            <a:r>
+              <a:rPr lang="en-US" b="1" dirty="0">
+                <a:solidFill>
+                  <a:srgbClr val="FF0000"/>
+                </a:solidFill>
+              </a:rPr>
+              <a:t>many</a:t>
+            </a:r>
+          </a:p>
+        </p:txBody>
+      </p:sp>
+      <p:sp>
+        <p:nvSpPr>
+          <p:cNvPr id="55" name="TextBox 54">
+            <a:extLst>
+              <a:ext uri="{FF2B5EF4-FFF2-40B4-BE49-F238E27FC236}">
+                <a16:creationId xmlns:a16="http://schemas.microsoft.com/office/drawing/2014/main" id="{67A2608E-E0E0-4886-BF48-76DD7142FEC7}"/>
+              </a:ext>
+            </a:extLst>
+          </p:cNvPr>
+          <p:cNvSpPr txBox="1"/>
+          <p:nvPr/>
+        </p:nvSpPr>
+        <p:spPr>
+          <a:xfrm>
+            <a:off x="1139471" y="6127529"/>
+            <a:ext cx="652743" cy="307777"/>
+          </a:xfrm>
+          <a:prstGeom prst="rect">
+            <a:avLst/>
+          </a:prstGeom>
+          <a:noFill/>
+        </p:spPr>
+        <p:txBody>
+          <a:bodyPr wrap="none" rtlCol="0">
+            <a:spAutoFit/>
+          </a:bodyPr>
+          <a:lstStyle/>
+          <a:p>
+            <a:r>
+              <a:rPr lang="en-US" b="1" dirty="0">
+                <a:solidFill>
+                  <a:srgbClr val="FF0000"/>
+                </a:solidFill>
+              </a:rPr>
+              <a:t>many</a:t>
+            </a:r>
+          </a:p>
+        </p:txBody>
+      </p:sp>
+      <p:sp>
+        <p:nvSpPr>
+          <p:cNvPr id="56" name="TextBox 55">
+            <a:extLst>
+              <a:ext uri="{FF2B5EF4-FFF2-40B4-BE49-F238E27FC236}">
+                <a16:creationId xmlns:a16="http://schemas.microsoft.com/office/drawing/2014/main" id="{2A7D9A00-DB7E-488B-8C2B-54E68F78DEC0}"/>
+              </a:ext>
+            </a:extLst>
+          </p:cNvPr>
+          <p:cNvSpPr txBox="1"/>
+          <p:nvPr/>
+        </p:nvSpPr>
+        <p:spPr>
+          <a:xfrm>
+            <a:off x="5262736" y="2431093"/>
+            <a:ext cx="502061" cy="307777"/>
+          </a:xfrm>
+          <a:prstGeom prst="rect">
+            <a:avLst/>
+          </a:prstGeom>
+          <a:noFill/>
+        </p:spPr>
+        <p:txBody>
+          <a:bodyPr wrap="none" rtlCol="0">
+            <a:spAutoFit/>
+          </a:bodyPr>
+          <a:lstStyle/>
+          <a:p>
+            <a:r>
+              <a:rPr lang="en-US" b="1" dirty="0">
+                <a:solidFill>
+                  <a:srgbClr val="FF0000"/>
+                </a:solidFill>
+              </a:rPr>
+              <a:t>one</a:t>
+            </a:r>
+          </a:p>
+        </p:txBody>
+      </p:sp>
+      <p:sp>
+        <p:nvSpPr>
+          <p:cNvPr id="57" name="TextBox 56">
+            <a:extLst>
+              <a:ext uri="{FF2B5EF4-FFF2-40B4-BE49-F238E27FC236}">
+                <a16:creationId xmlns:a16="http://schemas.microsoft.com/office/drawing/2014/main" id="{DEDE6ED1-E91A-4937-B086-16ACB7B031FD}"/>
+              </a:ext>
+            </a:extLst>
+          </p:cNvPr>
+          <p:cNvSpPr txBox="1"/>
+          <p:nvPr/>
+        </p:nvSpPr>
+        <p:spPr>
+          <a:xfrm>
+            <a:off x="9304725" y="2429563"/>
+            <a:ext cx="502061" cy="307777"/>
+          </a:xfrm>
+          <a:prstGeom prst="rect">
+            <a:avLst/>
+          </a:prstGeom>
+          <a:noFill/>
+        </p:spPr>
+        <p:txBody>
+          <a:bodyPr wrap="none" rtlCol="0">
+            <a:spAutoFit/>
+          </a:bodyPr>
+          <a:lstStyle/>
+          <a:p>
+            <a:r>
+              <a:rPr lang="en-US" b="1" dirty="0">
+                <a:solidFill>
+                  <a:srgbClr val="FF0000"/>
+                </a:solidFill>
+              </a:rPr>
+              <a:t>one</a:t>
+            </a:r>
+          </a:p>
+        </p:txBody>
+      </p:sp>
+      <p:sp>
+        <p:nvSpPr>
+          <p:cNvPr id="58" name="TextBox 57">
+            <a:extLst>
+              <a:ext uri="{FF2B5EF4-FFF2-40B4-BE49-F238E27FC236}">
+                <a16:creationId xmlns:a16="http://schemas.microsoft.com/office/drawing/2014/main" id="{88D3CE89-17E6-4567-8DE4-92D1AC07B8C3}"/>
+              </a:ext>
+            </a:extLst>
+          </p:cNvPr>
+          <p:cNvSpPr txBox="1"/>
+          <p:nvPr/>
+        </p:nvSpPr>
+        <p:spPr>
+          <a:xfrm>
+            <a:off x="12532914" y="5700002"/>
             <a:ext cx="652743" cy="307777"/>
           </a:xfrm>
           <a:prstGeom prst="rect">
